--- a/Documents/Exercise description.pptx
+++ b/Documents/Exercise description.pptx
@@ -110,6 +110,11 @@
       </a:defRPr>
     </a:lvl9pPr>
   </p:defaultTextStyle>
+  <p:extLst>
+    <p:ext uri="{EFAFB233-063F-42B5-8137-9DF3F51BA10A}">
+      <p15:sldGuideLst xmlns:p15="http://schemas.microsoft.com/office/powerpoint/2012/main"/>
+    </p:ext>
+  </p:extLst>
 </p:presentation>
 </file>
 
@@ -260,7 +265,7 @@
           <a:p>
             <a:fld id="{6DCD55EA-DA74-4206-AC0A-8BCFB580F0C4}" type="datetimeFigureOut">
               <a:rPr lang="en-US" smtClean="0"/>
-              <a:t>8/2/2022</a:t>
+              <a:t>8/6/2022</a:t>
             </a:fld>
             <a:endParaRPr lang="en-US"/>
           </a:p>
@@ -458,7 +463,7 @@
           <a:p>
             <a:fld id="{6DCD55EA-DA74-4206-AC0A-8BCFB580F0C4}" type="datetimeFigureOut">
               <a:rPr lang="en-US" smtClean="0"/>
-              <a:t>8/2/2022</a:t>
+              <a:t>8/6/2022</a:t>
             </a:fld>
             <a:endParaRPr lang="en-US"/>
           </a:p>
@@ -666,7 +671,7 @@
           <a:p>
             <a:fld id="{6DCD55EA-DA74-4206-AC0A-8BCFB580F0C4}" type="datetimeFigureOut">
               <a:rPr lang="en-US" smtClean="0"/>
-              <a:t>8/2/2022</a:t>
+              <a:t>8/6/2022</a:t>
             </a:fld>
             <a:endParaRPr lang="en-US"/>
           </a:p>
@@ -864,7 +869,7 @@
           <a:p>
             <a:fld id="{6DCD55EA-DA74-4206-AC0A-8BCFB580F0C4}" type="datetimeFigureOut">
               <a:rPr lang="en-US" smtClean="0"/>
-              <a:t>8/2/2022</a:t>
+              <a:t>8/6/2022</a:t>
             </a:fld>
             <a:endParaRPr lang="en-US"/>
           </a:p>
@@ -1139,7 +1144,7 @@
           <a:p>
             <a:fld id="{6DCD55EA-DA74-4206-AC0A-8BCFB580F0C4}" type="datetimeFigureOut">
               <a:rPr lang="en-US" smtClean="0"/>
-              <a:t>8/2/2022</a:t>
+              <a:t>8/6/2022</a:t>
             </a:fld>
             <a:endParaRPr lang="en-US"/>
           </a:p>
@@ -1404,7 +1409,7 @@
           <a:p>
             <a:fld id="{6DCD55EA-DA74-4206-AC0A-8BCFB580F0C4}" type="datetimeFigureOut">
               <a:rPr lang="en-US" smtClean="0"/>
-              <a:t>8/2/2022</a:t>
+              <a:t>8/6/2022</a:t>
             </a:fld>
             <a:endParaRPr lang="en-US"/>
           </a:p>
@@ -1816,7 +1821,7 @@
           <a:p>
             <a:fld id="{6DCD55EA-DA74-4206-AC0A-8BCFB580F0C4}" type="datetimeFigureOut">
               <a:rPr lang="en-US" smtClean="0"/>
-              <a:t>8/2/2022</a:t>
+              <a:t>8/6/2022</a:t>
             </a:fld>
             <a:endParaRPr lang="en-US"/>
           </a:p>
@@ -1957,7 +1962,7 @@
           <a:p>
             <a:fld id="{6DCD55EA-DA74-4206-AC0A-8BCFB580F0C4}" type="datetimeFigureOut">
               <a:rPr lang="en-US" smtClean="0"/>
-              <a:t>8/2/2022</a:t>
+              <a:t>8/6/2022</a:t>
             </a:fld>
             <a:endParaRPr lang="en-US"/>
           </a:p>
@@ -2070,7 +2075,7 @@
           <a:p>
             <a:fld id="{6DCD55EA-DA74-4206-AC0A-8BCFB580F0C4}" type="datetimeFigureOut">
               <a:rPr lang="en-US" smtClean="0"/>
-              <a:t>8/2/2022</a:t>
+              <a:t>8/6/2022</a:t>
             </a:fld>
             <a:endParaRPr lang="en-US"/>
           </a:p>
@@ -2381,7 +2386,7 @@
           <a:p>
             <a:fld id="{6DCD55EA-DA74-4206-AC0A-8BCFB580F0C4}" type="datetimeFigureOut">
               <a:rPr lang="en-US" smtClean="0"/>
-              <a:t>8/2/2022</a:t>
+              <a:t>8/6/2022</a:t>
             </a:fld>
             <a:endParaRPr lang="en-US"/>
           </a:p>
@@ -2669,7 +2674,7 @@
           <a:p>
             <a:fld id="{6DCD55EA-DA74-4206-AC0A-8BCFB580F0C4}" type="datetimeFigureOut">
               <a:rPr lang="en-US" smtClean="0"/>
-              <a:t>8/2/2022</a:t>
+              <a:t>8/6/2022</a:t>
             </a:fld>
             <a:endParaRPr lang="en-US"/>
           </a:p>
@@ -2910,7 +2915,7 @@
           <a:p>
             <a:fld id="{6DCD55EA-DA74-4206-AC0A-8BCFB580F0C4}" type="datetimeFigureOut">
               <a:rPr lang="en-US" smtClean="0"/>
-              <a:t>8/2/2022</a:t>
+              <a:t>8/6/2022</a:t>
             </a:fld>
             <a:endParaRPr lang="en-US"/>
           </a:p>
@@ -3388,7 +3393,7 @@
           <a:p>
             <a:fld id="{6F338ADC-7C6D-472A-AE21-77E65443E64B}" type="datetime1">
               <a:rPr lang="et-EE" smtClean="0"/>
-              <a:t>02.08.2022</a:t>
+              <a:t>06.08.2022</a:t>
             </a:fld>
             <a:endParaRPr lang="et-EE"/>
           </a:p>
@@ -3734,7 +3739,7 @@
           <a:p>
             <a:fld id="{6F338ADC-7C6D-472A-AE21-77E65443E64B}" type="datetime1">
               <a:rPr lang="et-EE" smtClean="0"/>
-              <a:t>02.08.2022</a:t>
+              <a:t>06.08.2022</a:t>
             </a:fld>
             <a:endParaRPr lang="et-EE"/>
           </a:p>
@@ -7214,7 +7219,7 @@
           <a:p>
             <a:fld id="{6F338ADC-7C6D-472A-AE21-77E65443E64B}" type="datetime1">
               <a:rPr lang="et-EE" smtClean="0"/>
-              <a:t>02.08.2022</a:t>
+              <a:t>06.08.2022</a:t>
             </a:fld>
             <a:endParaRPr lang="et-EE"/>
           </a:p>
@@ -8099,7 +8104,7 @@
           <a:p>
             <a:fld id="{6F338ADC-7C6D-472A-AE21-77E65443E64B}" type="datetime1">
               <a:rPr lang="et-EE" smtClean="0"/>
-              <a:t>02.08.2022</a:t>
+              <a:t>06.08.2022</a:t>
             </a:fld>
             <a:endParaRPr lang="et-EE"/>
           </a:p>
@@ -9407,7 +9412,7 @@
           <a:p>
             <a:fld id="{6F338ADC-7C6D-472A-AE21-77E65443E64B}" type="datetime1">
               <a:rPr lang="et-EE" smtClean="0"/>
-              <a:t>02.08.2022</a:t>
+              <a:t>06.08.2022</a:t>
             </a:fld>
             <a:endParaRPr lang="et-EE"/>
           </a:p>
@@ -10007,7 +10012,7 @@
           <a:p>
             <a:fld id="{6F338ADC-7C6D-472A-AE21-77E65443E64B}" type="datetime1">
               <a:rPr lang="et-EE" smtClean="0"/>
-              <a:t>02.08.2022</a:t>
+              <a:t>06.08.2022</a:t>
             </a:fld>
             <a:endParaRPr lang="et-EE"/>
           </a:p>
@@ -10407,7 +10412,7 @@
           <a:p>
             <a:fld id="{6F338ADC-7C6D-472A-AE21-77E65443E64B}" type="datetime1">
               <a:rPr lang="et-EE" smtClean="0"/>
-              <a:t>02.08.2022</a:t>
+              <a:t>06.08.2022</a:t>
             </a:fld>
             <a:endParaRPr lang="et-EE"/>
           </a:p>
@@ -11047,6 +11052,17 @@
                 </a:solidFill>
               </a:rPr>
               <a:t>The energy consumption parameters</a:t>
+            </a:r>
+          </a:p>
+          <a:p>
+            <a:pPr algn="ctr"/>
+            <a:r>
+              <a:rPr lang="en-US" b="1">
+                <a:solidFill>
+                  <a:srgbClr val="000000"/>
+                </a:solidFill>
+              </a:rPr>
+              <a:t>(or something else)</a:t>
             </a:r>
             <a:endParaRPr lang="en-US" dirty="0">
               <a:solidFill>
